--- a/Figures/PowerPoint/window-spec2.pptx
+++ b/Figures/PowerPoint/window-spec2.pptx
@@ -63,7 +63,7 @@
         <p:txBody>
           <a:bodyPr/>
           <a:p>
-            <a:fld id="{6863D114-81E4-4F24-A281-3B8CF2AAAE79}" type="slidenum">
+            <a:fld id="{8A566B9C-438F-4FC3-A53E-3C24393CE355}" type="slidenum">
               <a:t>&lt;#&gt;</a:t>
             </a:fld>
           </a:p>
@@ -272,7 +272,7 @@
         <p:txBody>
           <a:bodyPr/>
           <a:p>
-            <a:fld id="{93A0A82B-1771-4D04-B5BD-A976F7D53957}" type="slidenum">
+            <a:fld id="{77DE8866-4C00-47D4-9130-BB807BA7130A}" type="slidenum">
               <a:t>&lt;#&gt;</a:t>
             </a:fld>
           </a:p>
@@ -567,7 +567,7 @@
         <p:txBody>
           <a:bodyPr/>
           <a:p>
-            <a:fld id="{571EBAAD-AA60-4531-BF17-A5BA335F3876}" type="slidenum">
+            <a:fld id="{30696019-CF18-4399-AC6E-BC1868F2FC4F}" type="slidenum">
               <a:t>&lt;#&gt;</a:t>
             </a:fld>
           </a:p>
@@ -948,7 +948,7 @@
         <p:txBody>
           <a:bodyPr/>
           <a:p>
-            <a:fld id="{8A39D97D-C01F-4209-85CD-B6E6A9C8EB64}" type="slidenum">
+            <a:fld id="{1C7F23F7-B619-47EE-9DB9-EEF8E0EC35AF}" type="slidenum">
               <a:t>&lt;#&gt;</a:t>
             </a:fld>
           </a:p>
@@ -1111,7 +1111,7 @@
         <p:txBody>
           <a:bodyPr/>
           <a:p>
-            <a:fld id="{31B6A402-E3E1-4B43-9AC1-6B5669D76C64}" type="slidenum">
+            <a:fld id="{8D5A8F80-1058-4B63-B42C-019C074DF364}" type="slidenum">
               <a:t>&lt;#&gt;</a:t>
             </a:fld>
           </a:p>
@@ -1277,7 +1277,7 @@
         <p:txBody>
           <a:bodyPr/>
           <a:p>
-            <a:fld id="{18A602EE-661B-4013-B0E6-89006C66C6FE}" type="slidenum">
+            <a:fld id="{F8698455-63A1-4AFE-BA8F-2F7153105BC6}" type="slidenum">
               <a:t>&lt;#&gt;</a:t>
             </a:fld>
           </a:p>
@@ -1486,7 +1486,7 @@
         <p:txBody>
           <a:bodyPr/>
           <a:p>
-            <a:fld id="{4AAC633F-A804-4B05-B167-CC73FD3B2FF9}" type="slidenum">
+            <a:fld id="{1B47829C-16DD-471D-9EFC-70B7592D3899}" type="slidenum">
               <a:t>&lt;#&gt;</a:t>
             </a:fld>
           </a:p>
@@ -1609,7 +1609,7 @@
         <p:txBody>
           <a:bodyPr/>
           <a:p>
-            <a:fld id="{E773B69F-3E6B-4D26-AC94-9E0B97597367}" type="slidenum">
+            <a:fld id="{5150A8AF-5D47-4095-90E8-11736510F5AE}" type="slidenum">
               <a:t>&lt;#&gt;</a:t>
             </a:fld>
           </a:p>
@@ -1730,7 +1730,7 @@
         <p:txBody>
           <a:bodyPr/>
           <a:p>
-            <a:fld id="{2A94EC5B-53DE-4B42-833D-DB1294677804}" type="slidenum">
+            <a:fld id="{F052BCF7-E72A-4AD7-9426-F92FBCEBB8FE}" type="slidenum">
               <a:t>&lt;#&gt;</a:t>
             </a:fld>
           </a:p>
@@ -1982,7 +1982,7 @@
         <p:txBody>
           <a:bodyPr/>
           <a:p>
-            <a:fld id="{ACB3E5D6-A2B3-4C64-85C3-6961F69F5235}" type="slidenum">
+            <a:fld id="{2FAF85F0-DF45-4A1E-A65A-103C0CC25E71}" type="slidenum">
               <a:t>&lt;#&gt;</a:t>
             </a:fld>
           </a:p>
@@ -2234,7 +2234,7 @@
         <p:txBody>
           <a:bodyPr/>
           <a:p>
-            <a:fld id="{DE1050F2-124D-4D8B-966E-F09DF73A1F7E}" type="slidenum">
+            <a:fld id="{2B958A4A-5152-47A3-9ED9-47C78E1E3122}" type="slidenum">
               <a:t>&lt;#&gt;</a:t>
             </a:fld>
           </a:p>
@@ -2486,7 +2486,7 @@
         <p:txBody>
           <a:bodyPr/>
           <a:p>
-            <a:fld id="{DAA29F03-667C-4360-993A-24F988E91796}" type="slidenum">
+            <a:fld id="{9A356389-6E4D-488E-B3F9-DFF5C4DBB541}" type="slidenum">
               <a:t>&lt;#&gt;</a:t>
             </a:fld>
           </a:p>
@@ -2548,7 +2548,7 @@
         <p:spPr>
           <a:xfrm>
             <a:off x="3447360" y="5165280"/>
-            <a:ext cx="3193560" cy="389160"/>
+            <a:ext cx="3193200" cy="388800"/>
           </a:xfrm>
           <a:prstGeom prst="rect">
             <a:avLst/>
@@ -2620,7 +2620,7 @@
         <p:spPr>
           <a:xfrm>
             <a:off x="7227360" y="5165280"/>
-            <a:ext cx="2346840" cy="389160"/>
+            <a:ext cx="2346480" cy="388800"/>
           </a:xfrm>
           <a:prstGeom prst="rect">
             <a:avLst/>
@@ -2661,7 +2661,7 @@
                 <a:tab algn="l" pos="0"/>
               </a:tabLst>
             </a:pPr>
-            <a:fld id="{D352D79A-C41F-49AC-A068-97BE1E51D66C}" type="slidenum">
+            <a:fld id="{52BFE16B-042C-4E48-BB8D-0014DB07CEBC}" type="slidenum">
               <a:rPr b="0" lang="pt-BR" sz="1400" spc="-1" strike="noStrike">
                 <a:solidFill>
                   <a:srgbClr val="000000"/>
@@ -2692,7 +2692,7 @@
         <p:spPr>
           <a:xfrm>
             <a:off x="504000" y="5165280"/>
-            <a:ext cx="2346840" cy="389160"/>
+            <a:ext cx="2346480" cy="388800"/>
           </a:xfrm>
           <a:prstGeom prst="rect">
             <a:avLst/>
@@ -3058,7 +3058,7 @@
         </p:nvGraphicFramePr>
         <p:xfrm>
           <a:off x="1260000" y="668880"/>
-          <a:ext cx="7379640" cy="2927520"/>
+          <a:ext cx="7379280" cy="2880000"/>
         </p:xfrm>
         <a:graphic>
           <a:graphicData uri="http://schemas.openxmlformats.org/drawingml/2006/table">
@@ -3225,11 +3225,8 @@
                       </a:solidFill>
                       <a:prstDash val="solid"/>
                     </a:lnT>
-                    <a:lnB w="7200">
-                      <a:solidFill>
-                        <a:srgbClr val="000000"/>
-                      </a:solidFill>
-                      <a:prstDash val="solid"/>
+                    <a:lnB>
+                      <a:noFill/>
                     </a:lnB>
                     <a:noFill/>
                   </a:tcPr>
@@ -3281,11 +3278,8 @@
                       </a:solidFill>
                       <a:prstDash val="solid"/>
                     </a:lnT>
-                    <a:lnB w="7200">
-                      <a:solidFill>
-                        <a:srgbClr val="000000"/>
-                      </a:solidFill>
-                      <a:prstDash val="solid"/>
+                    <a:lnB>
+                      <a:noFill/>
                     </a:lnB>
                     <a:noFill/>
                   </a:tcPr>
@@ -3337,11 +3331,8 @@
                       </a:solidFill>
                       <a:prstDash val="solid"/>
                     </a:lnT>
-                    <a:lnB w="7200">
-                      <a:solidFill>
-                        <a:srgbClr val="000000"/>
-                      </a:solidFill>
-                      <a:prstDash val="solid"/>
+                    <a:lnB>
+                      <a:noFill/>
                     </a:lnB>
                     <a:noFill/>
                   </a:tcPr>
@@ -3412,6 +3403,11 @@
                       <a:noAutofit/>
                     </a:bodyPr>
                     <a:p>
+                      <a:pPr>
+                        <a:lnSpc>
+                          <a:spcPct val="100000"/>
+                        </a:lnSpc>
+                      </a:pPr>
                       <a:r>
                         <a:rPr b="0" lang="pt-BR" sz="1800" spc="-1" strike="noStrike">
                           <a:solidFill>
@@ -3425,7 +3421,7 @@
                         <a:solidFill>
                           <a:srgbClr val="000000"/>
                         </a:solidFill>
-                        <a:latin typeface="Roboto"/>
+                        <a:latin typeface="Arial"/>
                       </a:endParaRPr>
                     </a:p>
                   </a:txBody>
@@ -3474,8 +3470,11 @@
                     </a:p>
                   </a:txBody>
                   <a:tcPr anchor="t" marL="36000" marR="36000">
-                    <a:lnL>
-                      <a:noFill/>
+                    <a:lnL w="7200">
+                      <a:solidFill>
+                        <a:srgbClr val="000000"/>
+                      </a:solidFill>
+                      <a:prstDash val="solid"/>
                     </a:lnL>
                     <a:lnR w="7200">
                       <a:solidFill>
@@ -3654,6 +3653,11 @@
                       <a:noAutofit/>
                     </a:bodyPr>
                     <a:p>
+                      <a:pPr>
+                        <a:lnSpc>
+                          <a:spcPct val="100000"/>
+                        </a:lnSpc>
+                      </a:pPr>
                       <a:r>
                         <a:rPr b="0" lang="pt-BR" sz="1800" spc="-1" strike="noStrike">
                           <a:solidFill>
@@ -3667,7 +3671,7 @@
                         <a:solidFill>
                           <a:srgbClr val="000000"/>
                         </a:solidFill>
-                        <a:latin typeface="Roboto"/>
+                        <a:latin typeface="Arial"/>
                       </a:endParaRPr>
                     </a:p>
                   </a:txBody>
@@ -3716,8 +3720,11 @@
                     </a:p>
                   </a:txBody>
                   <a:tcPr anchor="t" marL="36000" marR="36000">
-                    <a:lnL>
-                      <a:noFill/>
+                    <a:lnL w="7200">
+                      <a:solidFill>
+                        <a:srgbClr val="000000"/>
+                      </a:solidFill>
+                      <a:prstDash val="solid"/>
                     </a:lnL>
                     <a:lnR w="7200">
                       <a:solidFill>
@@ -3896,6 +3903,11 @@
                       <a:noAutofit/>
                     </a:bodyPr>
                     <a:p>
+                      <a:pPr>
+                        <a:lnSpc>
+                          <a:spcPct val="100000"/>
+                        </a:lnSpc>
+                      </a:pPr>
                       <a:r>
                         <a:rPr b="0" lang="pt-BR" sz="1800" spc="-1" strike="noStrike">
                           <a:solidFill>
@@ -3909,7 +3921,7 @@
                         <a:solidFill>
                           <a:srgbClr val="000000"/>
                         </a:solidFill>
-                        <a:latin typeface="Roboto"/>
+                        <a:latin typeface="Arial"/>
                       </a:endParaRPr>
                     </a:p>
                   </a:txBody>
@@ -3958,8 +3970,11 @@
                     </a:p>
                   </a:txBody>
                   <a:tcPr anchor="t" marL="36000" marR="36000">
-                    <a:lnL>
-                      <a:noFill/>
+                    <a:lnL w="7200">
+                      <a:solidFill>
+                        <a:srgbClr val="000000"/>
+                      </a:solidFill>
+                      <a:prstDash val="solid"/>
                     </a:lnL>
                     <a:lnR w="7200">
                       <a:solidFill>
@@ -4109,8 +4124,11 @@
                       </a:solidFill>
                       <a:prstDash val="solid"/>
                     </a:lnL>
-                    <a:lnR>
-                      <a:noFill/>
+                    <a:lnR w="7200">
+                      <a:solidFill>
+                        <a:srgbClr val="000000"/>
+                      </a:solidFill>
+                      <a:prstDash val="solid"/>
                     </a:lnR>
                     <a:lnT>
                       <a:noFill/>
@@ -4132,6 +4150,11 @@
                       <a:noAutofit/>
                     </a:bodyPr>
                     <a:p>
+                      <a:pPr>
+                        <a:lnSpc>
+                          <a:spcPct val="100000"/>
+                        </a:lnSpc>
+                      </a:pPr>
                       <a:r>
                         <a:rPr b="0" lang="pt-BR" sz="1800" spc="-1" strike="noStrike">
                           <a:solidFill>
@@ -4145,7 +4168,7 @@
                         <a:solidFill>
                           <a:srgbClr val="000000"/>
                         </a:solidFill>
-                        <a:latin typeface="Roboto"/>
+                        <a:latin typeface="Arial"/>
                       </a:endParaRPr>
                     </a:p>
                   </a:txBody>
@@ -4162,50 +4185,8 @@
                       </a:solidFill>
                       <a:prstDash val="solid"/>
                     </a:lnR>
-                    <a:lnT w="7200">
-                      <a:solidFill>
-                        <a:srgbClr val="000000"/>
-                      </a:solidFill>
-                      <a:prstDash val="solid"/>
-                    </a:lnT>
-                    <a:lnB w="7200">
-                      <a:solidFill>
-                        <a:srgbClr val="000000"/>
-                      </a:solidFill>
-                      <a:prstDash val="solid"/>
-                    </a:lnB>
-                    <a:solidFill>
-                      <a:srgbClr val="ff8000"/>
-                    </a:solidFill>
-                  </a:tcPr>
-                </a:tc>
-                <a:tc>
-                  <a:txBody>
-                    <a:bodyPr lIns="36000" rIns="36000" anchor="t">
-                      <a:noAutofit/>
-                    </a:bodyPr>
-                    <a:p>
-                      <a:endParaRPr b="0" lang="pt-BR" sz="1800" spc="-1" strike="noStrike">
-                        <a:solidFill>
-                          <a:srgbClr val="000000"/>
-                        </a:solidFill>
-                        <a:latin typeface="Roboto"/>
-                      </a:endParaRPr>
-                    </a:p>
-                  </a:txBody>
-                  <a:tcPr anchor="t" marL="36000" marR="36000">
-                    <a:lnL>
+                    <a:lnT>
                       <a:noFill/>
-                    </a:lnL>
-                    <a:lnR w="7200">
-                      <a:solidFill>
-                        <a:srgbClr val="000000"/>
-                      </a:solidFill>
-                      <a:prstDash val="solid"/>
-                    </a:lnR>
-                    <a:lnT w="12240">
-                      <a:noFill/>
-                      <a:prstDash val="solid"/>
                     </a:lnT>
                     <a:lnB w="7200">
                       <a:solidFill>
@@ -4245,9 +4226,8 @@
                       </a:solidFill>
                       <a:prstDash val="solid"/>
                     </a:lnR>
-                    <a:lnT w="12240">
+                    <a:lnT>
                       <a:noFill/>
-                      <a:prstDash val="solid"/>
                     </a:lnT>
                     <a:lnB w="7200">
                       <a:solidFill>
@@ -4287,9 +4267,49 @@
                       </a:solidFill>
                       <a:prstDash val="solid"/>
                     </a:lnR>
-                    <a:lnT w="12240">
+                    <a:lnT>
                       <a:noFill/>
-                      <a:prstDash val="solid"/>
+                    </a:lnT>
+                    <a:lnB w="7200">
+                      <a:solidFill>
+                        <a:srgbClr val="000000"/>
+                      </a:solidFill>
+                      <a:prstDash val="solid"/>
+                    </a:lnB>
+                    <a:solidFill>
+                      <a:srgbClr val="ff8000"/>
+                    </a:solidFill>
+                  </a:tcPr>
+                </a:tc>
+                <a:tc>
+                  <a:txBody>
+                    <a:bodyPr lIns="36000" rIns="36000" anchor="t">
+                      <a:noAutofit/>
+                    </a:bodyPr>
+                    <a:p>
+                      <a:endParaRPr b="0" lang="pt-BR" sz="1800" spc="-1" strike="noStrike">
+                        <a:solidFill>
+                          <a:srgbClr val="000000"/>
+                        </a:solidFill>
+                        <a:latin typeface="Roboto"/>
+                      </a:endParaRPr>
+                    </a:p>
+                  </a:txBody>
+                  <a:tcPr anchor="t" marL="36000" marR="36000">
+                    <a:lnL w="7200">
+                      <a:solidFill>
+                        <a:srgbClr val="000000"/>
+                      </a:solidFill>
+                      <a:prstDash val="solid"/>
+                    </a:lnL>
+                    <a:lnR w="7200">
+                      <a:solidFill>
+                        <a:srgbClr val="000000"/>
+                      </a:solidFill>
+                      <a:prstDash val="solid"/>
+                    </a:lnR>
+                    <a:lnT>
+                      <a:noFill/>
                     </a:lnT>
                     <a:lnB w="7200">
                       <a:solidFill>
@@ -4339,8 +4359,11 @@
                       </a:solidFill>
                       <a:prstDash val="solid"/>
                     </a:lnL>
-                    <a:lnR>
-                      <a:noFill/>
+                    <a:lnR w="7200">
+                      <a:solidFill>
+                        <a:srgbClr val="000000"/>
+                      </a:solidFill>
+                      <a:prstDash val="solid"/>
                     </a:lnR>
                     <a:lnT w="7200">
                       <a:solidFill>
@@ -4348,11 +4371,8 @@
                       </a:solidFill>
                       <a:prstDash val="solid"/>
                     </a:lnT>
-                    <a:lnB w="7200">
-                      <a:solidFill>
-                        <a:srgbClr val="000000"/>
-                      </a:solidFill>
-                      <a:prstDash val="solid"/>
+                    <a:lnB>
+                      <a:noFill/>
                     </a:lnB>
                     <a:solidFill>
                       <a:srgbClr val="ff8000"/>
@@ -4383,7 +4403,7 @@
                         <a:solidFill>
                           <a:srgbClr val="000000"/>
                         </a:solidFill>
-                        <a:latin typeface="Roboto"/>
+                        <a:latin typeface="Arial"/>
                       </a:endParaRPr>
                     </a:p>
                   </a:txBody>
@@ -4429,8 +4449,11 @@
                     </a:p>
                   </a:txBody>
                   <a:tcPr anchor="t" marL="36000" marR="36000">
-                    <a:lnL>
-                      <a:noFill/>
+                    <a:lnL w="7200">
+                      <a:solidFill>
+                        <a:srgbClr val="000000"/>
+                      </a:solidFill>
+                      <a:prstDash val="solid"/>
                     </a:lnL>
                     <a:lnR w="7200">
                       <a:solidFill>
@@ -4444,11 +4467,8 @@
                       </a:solidFill>
                       <a:prstDash val="solid"/>
                     </a:lnT>
-                    <a:lnB w="7200">
-                      <a:solidFill>
-                        <a:srgbClr val="000000"/>
-                      </a:solidFill>
-                      <a:prstDash val="solid"/>
+                    <a:lnB>
+                      <a:noFill/>
                     </a:lnB>
                     <a:solidFill>
                       <a:srgbClr val="ff8000"/>
@@ -4488,11 +4508,8 @@
                       </a:solidFill>
                       <a:prstDash val="solid"/>
                     </a:lnT>
-                    <a:lnB w="7200">
-                      <a:solidFill>
-                        <a:srgbClr val="000000"/>
-                      </a:solidFill>
-                      <a:prstDash val="solid"/>
+                    <a:lnB>
+                      <a:noFill/>
                     </a:lnB>
                     <a:solidFill>
                       <a:srgbClr val="ff8000"/>
@@ -4532,11 +4549,8 @@
                       </a:solidFill>
                       <a:prstDash val="solid"/>
                     </a:lnT>
-                    <a:lnB w="7200">
-                      <a:solidFill>
-                        <a:srgbClr val="000000"/>
-                      </a:solidFill>
-                      <a:prstDash val="solid"/>
+                    <a:lnB>
+                      <a:noFill/>
                     </a:lnB>
                     <a:solidFill>
                       <a:srgbClr val="ff8000"/>
@@ -4580,11 +4594,16 @@
                       </a:solidFill>
                       <a:prstDash val="solid"/>
                     </a:lnL>
-                    <a:lnR>
-                      <a:noFill/>
+                    <a:lnR w="7200">
+                      <a:solidFill>
+                        <a:srgbClr val="000000"/>
+                      </a:solidFill>
+                      <a:prstDash val="solid"/>
                     </a:lnR>
-                    <a:lnT w="12240">
-                      <a:noFill/>
+                    <a:lnT w="7200">
+                      <a:solidFill>
+                        <a:srgbClr val="000000"/>
+                      </a:solidFill>
                       <a:prstDash val="solid"/>
                     </a:lnT>
                     <a:lnB w="7200">
@@ -4604,6 +4623,11 @@
                       <a:noAutofit/>
                     </a:bodyPr>
                     <a:p>
+                      <a:pPr>
+                        <a:lnSpc>
+                          <a:spcPct val="100000"/>
+                        </a:lnSpc>
+                      </a:pPr>
                       <a:r>
                         <a:rPr b="0" lang="pt-BR" sz="1800" spc="-1" strike="noStrike">
                           <a:solidFill>
@@ -4617,7 +4641,7 @@
                         <a:solidFill>
                           <a:srgbClr val="000000"/>
                         </a:solidFill>
-                        <a:latin typeface="Roboto"/>
+                        <a:latin typeface="Arial"/>
                       </a:endParaRPr>
                     </a:p>
                   </a:txBody>
@@ -4638,45 +4662,6 @@
                       <a:solidFill>
                         <a:srgbClr val="000000"/>
                       </a:solidFill>
-                      <a:prstDash val="solid"/>
-                    </a:lnT>
-                    <a:lnB w="7200">
-                      <a:solidFill>
-                        <a:srgbClr val="000000"/>
-                      </a:solidFill>
-                      <a:prstDash val="solid"/>
-                    </a:lnB>
-                    <a:solidFill>
-                      <a:srgbClr val="ff0000"/>
-                    </a:solidFill>
-                  </a:tcPr>
-                </a:tc>
-                <a:tc>
-                  <a:txBody>
-                    <a:bodyPr lIns="36000" rIns="36000" anchor="t">
-                      <a:noAutofit/>
-                    </a:bodyPr>
-                    <a:p>
-                      <a:endParaRPr b="0" lang="pt-BR" sz="1800" spc="-1" strike="noStrike">
-                        <a:solidFill>
-                          <a:srgbClr val="000000"/>
-                        </a:solidFill>
-                        <a:latin typeface="Roboto"/>
-                      </a:endParaRPr>
-                    </a:p>
-                  </a:txBody>
-                  <a:tcPr anchor="t" marL="36000" marR="36000">
-                    <a:lnL>
-                      <a:noFill/>
-                    </a:lnL>
-                    <a:lnR w="7200">
-                      <a:solidFill>
-                        <a:srgbClr val="000000"/>
-                      </a:solidFill>
-                      <a:prstDash val="solid"/>
-                    </a:lnR>
-                    <a:lnT w="12240">
-                      <a:noFill/>
                       <a:prstDash val="solid"/>
                     </a:lnT>
                     <a:lnB w="7200">
@@ -4717,8 +4702,10 @@
                       </a:solidFill>
                       <a:prstDash val="solid"/>
                     </a:lnR>
-                    <a:lnT w="12240">
-                      <a:noFill/>
+                    <a:lnT w="7200">
+                      <a:solidFill>
+                        <a:srgbClr val="000000"/>
+                      </a:solidFill>
                       <a:prstDash val="solid"/>
                     </a:lnT>
                     <a:lnB w="7200">
@@ -4759,8 +4746,54 @@
                       </a:solidFill>
                       <a:prstDash val="solid"/>
                     </a:lnR>
-                    <a:lnT w="12240">
-                      <a:noFill/>
+                    <a:lnT w="7200">
+                      <a:solidFill>
+                        <a:srgbClr val="000000"/>
+                      </a:solidFill>
+                      <a:prstDash val="solid"/>
+                    </a:lnT>
+                    <a:lnB w="7200">
+                      <a:solidFill>
+                        <a:srgbClr val="000000"/>
+                      </a:solidFill>
+                      <a:prstDash val="solid"/>
+                    </a:lnB>
+                    <a:solidFill>
+                      <a:srgbClr val="ff0000"/>
+                    </a:solidFill>
+                  </a:tcPr>
+                </a:tc>
+                <a:tc>
+                  <a:txBody>
+                    <a:bodyPr lIns="36000" rIns="36000" anchor="t">
+                      <a:noAutofit/>
+                    </a:bodyPr>
+                    <a:p>
+                      <a:endParaRPr b="0" lang="pt-BR" sz="1800" spc="-1" strike="noStrike">
+                        <a:solidFill>
+                          <a:srgbClr val="000000"/>
+                        </a:solidFill>
+                        <a:latin typeface="Roboto"/>
+                      </a:endParaRPr>
+                    </a:p>
+                  </a:txBody>
+                  <a:tcPr anchor="t" marL="36000" marR="36000">
+                    <a:lnL w="7200">
+                      <a:solidFill>
+                        <a:srgbClr val="000000"/>
+                      </a:solidFill>
+                      <a:prstDash val="solid"/>
+                    </a:lnL>
+                    <a:lnR w="7200">
+                      <a:solidFill>
+                        <a:srgbClr val="000000"/>
+                      </a:solidFill>
+                      <a:prstDash val="solid"/>
+                    </a:lnR>
+                    <a:lnT w="7200">
+                      <a:solidFill>
+                        <a:srgbClr val="000000"/>
+                      </a:solidFill>
                       <a:prstDash val="solid"/>
                     </a:lnT>
                     <a:lnB w="7200">
@@ -4811,8 +4844,11 @@
                       </a:solidFill>
                       <a:prstDash val="solid"/>
                     </a:lnL>
-                    <a:lnR>
-                      <a:noFill/>
+                    <a:lnR w="7200">
+                      <a:solidFill>
+                        <a:srgbClr val="000000"/>
+                      </a:solidFill>
+                      <a:prstDash val="solid"/>
                     </a:lnR>
                     <a:lnT w="7200">
                       <a:solidFill>
@@ -4837,6 +4873,11 @@
                       <a:noAutofit/>
                     </a:bodyPr>
                     <a:p>
+                      <a:pPr>
+                        <a:lnSpc>
+                          <a:spcPct val="100000"/>
+                        </a:lnSpc>
+                      </a:pPr>
                       <a:r>
                         <a:rPr b="0" lang="pt-BR" sz="1800" spc="-1" strike="noStrike">
                           <a:solidFill>
@@ -4850,7 +4891,7 @@
                         <a:solidFill>
                           <a:srgbClr val="000000"/>
                         </a:solidFill>
-                        <a:latin typeface="Roboto"/>
+                        <a:latin typeface="Arial"/>
                       </a:endParaRPr>
                     </a:p>
                   </a:txBody>
@@ -4860,47 +4901,6 @@
                         <a:srgbClr val="000000"/>
                       </a:solidFill>
                       <a:prstDash val="solid"/>
-                    </a:lnL>
-                    <a:lnR w="7200">
-                      <a:solidFill>
-                        <a:srgbClr val="000000"/>
-                      </a:solidFill>
-                      <a:prstDash val="solid"/>
-                    </a:lnR>
-                    <a:lnT w="7200">
-                      <a:solidFill>
-                        <a:srgbClr val="000000"/>
-                      </a:solidFill>
-                      <a:prstDash val="solid"/>
-                    </a:lnT>
-                    <a:lnB w="7200">
-                      <a:solidFill>
-                        <a:srgbClr val="000000"/>
-                      </a:solidFill>
-                      <a:prstDash val="solid"/>
-                    </a:lnB>
-                    <a:solidFill>
-                      <a:srgbClr val="ff0000"/>
-                    </a:solidFill>
-                  </a:tcPr>
-                </a:tc>
-                <a:tc>
-                  <a:txBody>
-                    <a:bodyPr lIns="36000" rIns="36000" anchor="t">
-                      <a:noAutofit/>
-                    </a:bodyPr>
-                    <a:p>
-                      <a:endParaRPr b="0" lang="pt-BR" sz="1800" spc="-1" strike="noStrike">
-                        <a:solidFill>
-                          <a:srgbClr val="000000"/>
-                        </a:solidFill>
-                        <a:latin typeface="Roboto"/>
-                      </a:endParaRPr>
-                    </a:p>
-                  </a:txBody>
-                  <a:tcPr anchor="t" marL="36000" marR="36000">
-                    <a:lnL>
-                      <a:noFill/>
                     </a:lnL>
                     <a:lnR w="7200">
                       <a:solidFill>
@@ -5013,6 +5013,50 @@
                     </a:solidFill>
                   </a:tcPr>
                 </a:tc>
+                <a:tc>
+                  <a:txBody>
+                    <a:bodyPr lIns="36000" rIns="36000" anchor="t">
+                      <a:noAutofit/>
+                    </a:bodyPr>
+                    <a:p>
+                      <a:endParaRPr b="0" lang="pt-BR" sz="1800" spc="-1" strike="noStrike">
+                        <a:solidFill>
+                          <a:srgbClr val="000000"/>
+                        </a:solidFill>
+                        <a:latin typeface="Roboto"/>
+                      </a:endParaRPr>
+                    </a:p>
+                  </a:txBody>
+                  <a:tcPr anchor="t" marL="36000" marR="36000">
+                    <a:lnL w="7200">
+                      <a:solidFill>
+                        <a:srgbClr val="000000"/>
+                      </a:solidFill>
+                      <a:prstDash val="solid"/>
+                    </a:lnL>
+                    <a:lnR w="7200">
+                      <a:solidFill>
+                        <a:srgbClr val="000000"/>
+                      </a:solidFill>
+                      <a:prstDash val="solid"/>
+                    </a:lnR>
+                    <a:lnT w="7200">
+                      <a:solidFill>
+                        <a:srgbClr val="000000"/>
+                      </a:solidFill>
+                      <a:prstDash val="solid"/>
+                    </a:lnT>
+                    <a:lnB w="7200">
+                      <a:solidFill>
+                        <a:srgbClr val="000000"/>
+                      </a:solidFill>
+                      <a:prstDash val="solid"/>
+                    </a:lnB>
+                    <a:solidFill>
+                      <a:srgbClr val="ff0000"/>
+                    </a:solidFill>
+                  </a:tcPr>
+                </a:tc>
               </a:tr>
             </a:tbl>
           </a:graphicData>
@@ -5026,8 +5070,8 @@
         </p:nvSpPr>
         <p:spPr>
           <a:xfrm>
-            <a:off x="2088000" y="4413960"/>
-            <a:ext cx="719280" cy="246600"/>
+            <a:off x="2808000" y="4413960"/>
+            <a:ext cx="718920" cy="246240"/>
           </a:xfrm>
           <a:prstGeom prst="rect">
             <a:avLst/>
@@ -5075,8 +5119,8 @@
         </p:nvSpPr>
         <p:spPr>
           <a:xfrm>
-            <a:off x="2818800" y="4401000"/>
-            <a:ext cx="1644840" cy="357840"/>
+            <a:off x="3538800" y="4401000"/>
+            <a:ext cx="1141200" cy="357480"/>
           </a:xfrm>
           <a:prstGeom prst="rect">
             <a:avLst/>
@@ -5110,7 +5154,7 @@
                 <a:latin typeface="Roboto"/>
                 <a:ea typeface="DejaVu Sans"/>
               </a:rPr>
-              <a:t>Window Frame 1</a:t>
+              <a:t>Window 1</a:t>
             </a:r>
             <a:endParaRPr b="0" lang="pt-BR" sz="1400" spc="-1" strike="noStrike">
               <a:solidFill>
@@ -5129,8 +5173,8 @@
         </p:nvSpPr>
         <p:spPr>
           <a:xfrm>
-            <a:off x="910800" y="4365000"/>
-            <a:ext cx="1140480" cy="357840"/>
+            <a:off x="1630800" y="4365000"/>
+            <a:ext cx="1140120" cy="357480"/>
           </a:xfrm>
           <a:prstGeom prst="rect">
             <a:avLst/>
@@ -5183,8 +5227,8 @@
         </p:nvSpPr>
         <p:spPr>
           <a:xfrm>
-            <a:off x="4428000" y="4413960"/>
-            <a:ext cx="719280" cy="246600"/>
+            <a:off x="4680000" y="4413960"/>
+            <a:ext cx="718920" cy="246240"/>
           </a:xfrm>
           <a:prstGeom prst="rect">
             <a:avLst/>
@@ -5232,8 +5276,8 @@
         </p:nvSpPr>
         <p:spPr>
           <a:xfrm>
-            <a:off x="5158800" y="4401000"/>
-            <a:ext cx="1536840" cy="357840"/>
+            <a:off x="5410800" y="4401000"/>
+            <a:ext cx="1141200" cy="357480"/>
           </a:xfrm>
           <a:prstGeom prst="rect">
             <a:avLst/>
@@ -5267,7 +5311,7 @@
                 <a:latin typeface="Roboto"/>
                 <a:ea typeface="DejaVu Sans"/>
               </a:rPr>
-              <a:t>Window Frame 2</a:t>
+              <a:t>Window 2</a:t>
             </a:r>
             <a:endParaRPr b="0" lang="pt-BR" sz="1400" spc="-1" strike="noStrike">
               <a:solidFill>
@@ -5286,8 +5330,8 @@
         </p:nvSpPr>
         <p:spPr>
           <a:xfrm>
-            <a:off x="6768000" y="4413960"/>
-            <a:ext cx="719280" cy="246600"/>
+            <a:off x="6516000" y="4413960"/>
+            <a:ext cx="718920" cy="246240"/>
           </a:xfrm>
           <a:prstGeom prst="rect">
             <a:avLst/>
@@ -5335,8 +5379,8 @@
         </p:nvSpPr>
         <p:spPr>
           <a:xfrm>
-            <a:off x="7498800" y="4365000"/>
-            <a:ext cx="1608840" cy="357840"/>
+            <a:off x="7246800" y="4365000"/>
+            <a:ext cx="1141200" cy="357480"/>
           </a:xfrm>
           <a:prstGeom prst="rect">
             <a:avLst/>
@@ -5370,7 +5414,7 @@
                 <a:latin typeface="Roboto"/>
                 <a:ea typeface="DejaVu Sans"/>
               </a:rPr>
-              <a:t>Window Frame 3</a:t>
+              <a:t>Window 3</a:t>
             </a:r>
             <a:endParaRPr b="0" lang="pt-BR" sz="1400" spc="-1" strike="noStrike">
               <a:solidFill>
